--- a/documents/Präsentation-OS.pptx
+++ b/documents/Präsentation-OS.pptx
@@ -113,6 +113,11 @@
       </a:defRPr>
     </a:lvl9pPr>
   </p:defaultTextStyle>
+  <p:extLst>
+    <p:ext uri="{EFAFB233-063F-42B5-8137-9DF3F51BA10A}">
+      <p15:sldGuideLst xmlns:p15="http://schemas.microsoft.com/office/powerpoint/2012/main"/>
+    </p:ext>
+  </p:extLst>
 </p:presentation>
 </file>
 
@@ -198,7 +203,7 @@
           <a:p>
             <a:fld id="{8776D9DD-57E5-6F4F-86E5-E98CB2ED380B}" type="datetimeFigureOut">
               <a:rPr lang="de-CH" smtClean="0"/>
-              <a:t>10.06.23</a:t>
+              <a:t>12.06.23</a:t>
             </a:fld>
             <a:endParaRPr lang="de-CH"/>
           </a:p>
@@ -4473,7 +4478,7 @@
           <a:noFill/>
           <a:extLst>
             <a:ext uri="{909E8E84-426E-40dd-AFC4-6F175D3DCCD1}">
-              <a14:hiddenFill xmlns:a14="http://schemas.microsoft.com/office/drawing/2010/main" xmlns="">
+              <a14:hiddenFill xmlns="" xmlns:a14="http://schemas.microsoft.com/office/drawing/2010/main">
                 <a:solidFill>
                   <a:srgbClr val="FFFFFF"/>
                 </a:solidFill>
@@ -4533,7 +4538,7 @@
             </a:ln>
             <a:extLst>
               <a:ext uri="{91240B29-F687-4f45-9708-019B960494DF}">
-                <a14:hiddenLine xmlns:a14="http://schemas.microsoft.com/office/drawing/2010/main" xmlns="" w="9525">
+                <a14:hiddenLine xmlns="" xmlns:a14="http://schemas.microsoft.com/office/drawing/2010/main" w="9525">
                   <a:solidFill>
                     <a:srgbClr val="000000"/>
                   </a:solidFill>
@@ -4623,7 +4628,7 @@
             </a:ln>
             <a:extLst>
               <a:ext uri="{91240B29-F687-4f45-9708-019B960494DF}">
-                <a14:hiddenLine xmlns:a14="http://schemas.microsoft.com/office/drawing/2010/main" xmlns="" w="9525">
+                <a14:hiddenLine xmlns="" xmlns:a14="http://schemas.microsoft.com/office/drawing/2010/main" w="9525">
                   <a:solidFill>
                     <a:srgbClr val="000000"/>
                   </a:solidFill>
@@ -4713,7 +4718,7 @@
             </a:ln>
             <a:extLst>
               <a:ext uri="{91240B29-F687-4f45-9708-019B960494DF}">
-                <a14:hiddenLine xmlns:a14="http://schemas.microsoft.com/office/drawing/2010/main" xmlns="" w="9525">
+                <a14:hiddenLine xmlns="" xmlns:a14="http://schemas.microsoft.com/office/drawing/2010/main" w="9525">
                   <a:solidFill>
                     <a:srgbClr val="000000"/>
                   </a:solidFill>
@@ -4747,7 +4752,7 @@
             </a:ln>
             <a:extLst>
               <a:ext uri="{91240B29-F687-4f45-9708-019B960494DF}">
-                <a14:hiddenLine xmlns:a14="http://schemas.microsoft.com/office/drawing/2010/main" xmlns="" w="9525">
+                <a14:hiddenLine xmlns="" xmlns:a14="http://schemas.microsoft.com/office/drawing/2010/main" w="9525">
                   <a:solidFill>
                     <a:srgbClr val="000000"/>
                   </a:solidFill>
@@ -4837,7 +4842,7 @@
             </a:ln>
             <a:extLst>
               <a:ext uri="{91240B29-F687-4f45-9708-019B960494DF}">
-                <a14:hiddenLine xmlns:a14="http://schemas.microsoft.com/office/drawing/2010/main" xmlns="" w="9525">
+                <a14:hiddenLine xmlns="" xmlns:a14="http://schemas.microsoft.com/office/drawing/2010/main" w="9525">
                   <a:solidFill>
                     <a:srgbClr val="000000"/>
                   </a:solidFill>
@@ -4899,7 +4904,7 @@
             </a:ln>
             <a:extLst>
               <a:ext uri="{91240B29-F687-4f45-9708-019B960494DF}">
-                <a14:hiddenLine xmlns:a14="http://schemas.microsoft.com/office/drawing/2010/main" xmlns="" w="9525">
+                <a14:hiddenLine xmlns="" xmlns:a14="http://schemas.microsoft.com/office/drawing/2010/main" w="9525">
                   <a:solidFill>
                     <a:srgbClr val="000000"/>
                   </a:solidFill>
@@ -4961,7 +4966,7 @@
             </a:ln>
             <a:extLst>
               <a:ext uri="{91240B29-F687-4f45-9708-019B960494DF}">
-                <a14:hiddenLine xmlns:a14="http://schemas.microsoft.com/office/drawing/2010/main" xmlns="" w="9525">
+                <a14:hiddenLine xmlns="" xmlns:a14="http://schemas.microsoft.com/office/drawing/2010/main" w="9525">
                   <a:solidFill>
                     <a:srgbClr val="000000"/>
                   </a:solidFill>
@@ -5051,7 +5056,7 @@
             </a:ln>
             <a:extLst>
               <a:ext uri="{91240B29-F687-4f45-9708-019B960494DF}">
-                <a14:hiddenLine xmlns:a14="http://schemas.microsoft.com/office/drawing/2010/main" xmlns="" w="9525">
+                <a14:hiddenLine xmlns="" xmlns:a14="http://schemas.microsoft.com/office/drawing/2010/main" w="9525">
                   <a:solidFill>
                     <a:srgbClr val="000000"/>
                   </a:solidFill>
@@ -5113,7 +5118,7 @@
             </a:ln>
             <a:extLst>
               <a:ext uri="{91240B29-F687-4f45-9708-019B960494DF}">
-                <a14:hiddenLine xmlns:a14="http://schemas.microsoft.com/office/drawing/2010/main" xmlns="" w="9525">
+                <a14:hiddenLine xmlns="" xmlns:a14="http://schemas.microsoft.com/office/drawing/2010/main" w="9525">
                   <a:solidFill>
                     <a:srgbClr val="000000"/>
                   </a:solidFill>
@@ -5175,7 +5180,7 @@
             </a:ln>
             <a:extLst>
               <a:ext uri="{91240B29-F687-4f45-9708-019B960494DF}">
-                <a14:hiddenLine xmlns:a14="http://schemas.microsoft.com/office/drawing/2010/main" xmlns="" w="9525">
+                <a14:hiddenLine xmlns="" xmlns:a14="http://schemas.microsoft.com/office/drawing/2010/main" w="9525">
                   <a:solidFill>
                     <a:srgbClr val="000000"/>
                   </a:solidFill>
@@ -5265,7 +5270,7 @@
             </a:ln>
             <a:extLst>
               <a:ext uri="{91240B29-F687-4f45-9708-019B960494DF}">
-                <a14:hiddenLine xmlns:a14="http://schemas.microsoft.com/office/drawing/2010/main" xmlns="" w="9525">
+                <a14:hiddenLine xmlns="" xmlns:a14="http://schemas.microsoft.com/office/drawing/2010/main" w="9525">
                   <a:solidFill>
                     <a:srgbClr val="000000"/>
                   </a:solidFill>
@@ -5355,7 +5360,7 @@
             </a:ln>
             <a:extLst>
               <a:ext uri="{91240B29-F687-4f45-9708-019B960494DF}">
-                <a14:hiddenLine xmlns:a14="http://schemas.microsoft.com/office/drawing/2010/main" xmlns="" w="9525">
+                <a14:hiddenLine xmlns="" xmlns:a14="http://schemas.microsoft.com/office/drawing/2010/main" w="9525">
                   <a:solidFill>
                     <a:srgbClr val="000000"/>
                   </a:solidFill>
@@ -5417,7 +5422,7 @@
             </a:ln>
             <a:extLst>
               <a:ext uri="{91240B29-F687-4f45-9708-019B960494DF}">
-                <a14:hiddenLine xmlns:a14="http://schemas.microsoft.com/office/drawing/2010/main" xmlns="" w="9525">
+                <a14:hiddenLine xmlns="" xmlns:a14="http://schemas.microsoft.com/office/drawing/2010/main" w="9525">
                   <a:solidFill>
                     <a:srgbClr val="000000"/>
                   </a:solidFill>
@@ -5527,7 +5532,7 @@
             </a:ln>
             <a:extLst>
               <a:ext uri="{91240B29-F687-4f45-9708-019B960494DF}">
-                <a14:hiddenLine xmlns:a14="http://schemas.microsoft.com/office/drawing/2010/main" xmlns="" w="9525">
+                <a14:hiddenLine xmlns="" xmlns:a14="http://schemas.microsoft.com/office/drawing/2010/main" w="9525">
                   <a:solidFill>
                     <a:srgbClr val="000000"/>
                   </a:solidFill>
@@ -5589,7 +5594,7 @@
             </a:ln>
             <a:extLst>
               <a:ext uri="{91240B29-F687-4f45-9708-019B960494DF}">
-                <a14:hiddenLine xmlns:a14="http://schemas.microsoft.com/office/drawing/2010/main" xmlns="" w="9525">
+                <a14:hiddenLine xmlns="" xmlns:a14="http://schemas.microsoft.com/office/drawing/2010/main" w="9525">
                   <a:solidFill>
                     <a:srgbClr val="000000"/>
                   </a:solidFill>
@@ -5679,7 +5684,7 @@
             </a:ln>
             <a:extLst>
               <a:ext uri="{91240B29-F687-4f45-9708-019B960494DF}">
-                <a14:hiddenLine xmlns:a14="http://schemas.microsoft.com/office/drawing/2010/main" xmlns="" w="9525">
+                <a14:hiddenLine xmlns="" xmlns:a14="http://schemas.microsoft.com/office/drawing/2010/main" w="9525">
                   <a:solidFill>
                     <a:srgbClr val="000000"/>
                   </a:solidFill>
@@ -5769,7 +5774,7 @@
             </a:ln>
             <a:extLst>
               <a:ext uri="{91240B29-F687-4f45-9708-019B960494DF}">
-                <a14:hiddenLine xmlns:a14="http://schemas.microsoft.com/office/drawing/2010/main" xmlns="" w="9525">
+                <a14:hiddenLine xmlns="" xmlns:a14="http://schemas.microsoft.com/office/drawing/2010/main" w="9525">
                   <a:solidFill>
                     <a:srgbClr val="000000"/>
                   </a:solidFill>
@@ -5831,7 +5836,7 @@
             </a:ln>
             <a:extLst>
               <a:ext uri="{91240B29-F687-4f45-9708-019B960494DF}">
-                <a14:hiddenLine xmlns:a14="http://schemas.microsoft.com/office/drawing/2010/main" xmlns="" w="9525">
+                <a14:hiddenLine xmlns="" xmlns:a14="http://schemas.microsoft.com/office/drawing/2010/main" w="9525">
                   <a:solidFill>
                     <a:srgbClr val="000000"/>
                   </a:solidFill>
@@ -5921,7 +5926,7 @@
             </a:ln>
             <a:extLst>
               <a:ext uri="{91240B29-F687-4f45-9708-019B960494DF}">
-                <a14:hiddenLine xmlns:a14="http://schemas.microsoft.com/office/drawing/2010/main" xmlns="" w="9525">
+                <a14:hiddenLine xmlns="" xmlns:a14="http://schemas.microsoft.com/office/drawing/2010/main" w="9525">
                   <a:solidFill>
                     <a:srgbClr val="000000"/>
                   </a:solidFill>
@@ -6011,7 +6016,7 @@
             </a:ln>
             <a:extLst>
               <a:ext uri="{91240B29-F687-4f45-9708-019B960494DF}">
-                <a14:hiddenLine xmlns:a14="http://schemas.microsoft.com/office/drawing/2010/main" xmlns="" w="9525">
+                <a14:hiddenLine xmlns="" xmlns:a14="http://schemas.microsoft.com/office/drawing/2010/main" w="9525">
                   <a:solidFill>
                     <a:srgbClr val="000000"/>
                   </a:solidFill>
@@ -6067,7 +6072,7 @@
             </a:ln>
             <a:extLst>
               <a:ext uri="{91240B29-F687-4f45-9708-019B960494DF}">
-                <a14:hiddenLine xmlns:a14="http://schemas.microsoft.com/office/drawing/2010/main" xmlns="" w="9525">
+                <a14:hiddenLine xmlns="" xmlns:a14="http://schemas.microsoft.com/office/drawing/2010/main" w="9525">
                   <a:solidFill>
                     <a:srgbClr val="000000"/>
                   </a:solidFill>
@@ -6157,7 +6162,7 @@
             </a:ln>
             <a:extLst>
               <a:ext uri="{91240B29-F687-4f45-9708-019B960494DF}">
-                <a14:hiddenLine xmlns:a14="http://schemas.microsoft.com/office/drawing/2010/main" xmlns="" w="9525">
+                <a14:hiddenLine xmlns="" xmlns:a14="http://schemas.microsoft.com/office/drawing/2010/main" w="9525">
                   <a:solidFill>
                     <a:srgbClr val="000000"/>
                   </a:solidFill>
@@ -6213,7 +6218,7 @@
             </a:ln>
             <a:extLst>
               <a:ext uri="{91240B29-F687-4f45-9708-019B960494DF}">
-                <a14:hiddenLine xmlns:a14="http://schemas.microsoft.com/office/drawing/2010/main" xmlns="" w="9525">
+                <a14:hiddenLine xmlns="" xmlns:a14="http://schemas.microsoft.com/office/drawing/2010/main" w="9525">
                   <a:solidFill>
                     <a:srgbClr val="000000"/>
                   </a:solidFill>
@@ -6303,7 +6308,7 @@
             </a:ln>
             <a:extLst>
               <a:ext uri="{91240B29-F687-4f45-9708-019B960494DF}">
-                <a14:hiddenLine xmlns:a14="http://schemas.microsoft.com/office/drawing/2010/main" xmlns="" w="9525">
+                <a14:hiddenLine xmlns="" xmlns:a14="http://schemas.microsoft.com/office/drawing/2010/main" w="9525">
                   <a:solidFill>
                     <a:srgbClr val="000000"/>
                   </a:solidFill>
@@ -6371,7 +6376,7 @@
             </a:ln>
             <a:extLst>
               <a:ext uri="{91240B29-F687-4f45-9708-019B960494DF}">
-                <a14:hiddenLine xmlns:a14="http://schemas.microsoft.com/office/drawing/2010/main" xmlns="" w="9525">
+                <a14:hiddenLine xmlns="" xmlns:a14="http://schemas.microsoft.com/office/drawing/2010/main" w="9525">
                   <a:solidFill>
                     <a:srgbClr val="000000"/>
                   </a:solidFill>
@@ -6461,7 +6466,7 @@
             </a:ln>
             <a:extLst>
               <a:ext uri="{91240B29-F687-4f45-9708-019B960494DF}">
-                <a14:hiddenLine xmlns:a14="http://schemas.microsoft.com/office/drawing/2010/main" xmlns="" w="9525">
+                <a14:hiddenLine xmlns="" xmlns:a14="http://schemas.microsoft.com/office/drawing/2010/main" w="9525">
                   <a:solidFill>
                     <a:srgbClr val="000000"/>
                   </a:solidFill>
@@ -6529,7 +6534,7 @@
             </a:ln>
             <a:extLst>
               <a:ext uri="{91240B29-F687-4f45-9708-019B960494DF}">
-                <a14:hiddenLine xmlns:a14="http://schemas.microsoft.com/office/drawing/2010/main" xmlns="" w="9525">
+                <a14:hiddenLine xmlns="" xmlns:a14="http://schemas.microsoft.com/office/drawing/2010/main" w="9525">
                   <a:solidFill>
                     <a:srgbClr val="000000"/>
                   </a:solidFill>
@@ -6619,7 +6624,7 @@
             </a:ln>
             <a:extLst>
               <a:ext uri="{91240B29-F687-4f45-9708-019B960494DF}">
-                <a14:hiddenLine xmlns:a14="http://schemas.microsoft.com/office/drawing/2010/main" xmlns="" w="9525">
+                <a14:hiddenLine xmlns="" xmlns:a14="http://schemas.microsoft.com/office/drawing/2010/main" w="9525">
                   <a:solidFill>
                     <a:srgbClr val="000000"/>
                   </a:solidFill>
@@ -6653,7 +6658,7 @@
             </a:ln>
             <a:extLst>
               <a:ext uri="{91240B29-F687-4f45-9708-019B960494DF}">
-                <a14:hiddenLine xmlns:a14="http://schemas.microsoft.com/office/drawing/2010/main" xmlns="" w="9525">
+                <a14:hiddenLine xmlns="" xmlns:a14="http://schemas.microsoft.com/office/drawing/2010/main" w="9525">
                   <a:solidFill>
                     <a:srgbClr val="000000"/>
                   </a:solidFill>
@@ -6743,7 +6748,7 @@
             </a:ln>
             <a:extLst>
               <a:ext uri="{91240B29-F687-4f45-9708-019B960494DF}">
-                <a14:hiddenLine xmlns:a14="http://schemas.microsoft.com/office/drawing/2010/main" xmlns="" w="9525">
+                <a14:hiddenLine xmlns="" xmlns:a14="http://schemas.microsoft.com/office/drawing/2010/main" w="9525">
                   <a:solidFill>
                     <a:srgbClr val="000000"/>
                   </a:solidFill>
@@ -6805,7 +6810,7 @@
             </a:ln>
             <a:extLst>
               <a:ext uri="{91240B29-F687-4f45-9708-019B960494DF}">
-                <a14:hiddenLine xmlns:a14="http://schemas.microsoft.com/office/drawing/2010/main" xmlns="" w="9525">
+                <a14:hiddenLine xmlns="" xmlns:a14="http://schemas.microsoft.com/office/drawing/2010/main" w="9525">
                   <a:solidFill>
                     <a:srgbClr val="000000"/>
                   </a:solidFill>
@@ -6867,7 +6872,7 @@
             </a:ln>
             <a:extLst>
               <a:ext uri="{91240B29-F687-4f45-9708-019B960494DF}">
-                <a14:hiddenLine xmlns:a14="http://schemas.microsoft.com/office/drawing/2010/main" xmlns="" w="9525">
+                <a14:hiddenLine xmlns="" xmlns:a14="http://schemas.microsoft.com/office/drawing/2010/main" w="9525">
                   <a:solidFill>
                     <a:srgbClr val="000000"/>
                   </a:solidFill>
@@ -6957,7 +6962,7 @@
             </a:ln>
             <a:extLst>
               <a:ext uri="{91240B29-F687-4f45-9708-019B960494DF}">
-                <a14:hiddenLine xmlns:a14="http://schemas.microsoft.com/office/drawing/2010/main" xmlns="" w="9525">
+                <a14:hiddenLine xmlns="" xmlns:a14="http://schemas.microsoft.com/office/drawing/2010/main" w="9525">
                   <a:solidFill>
                     <a:srgbClr val="000000"/>
                   </a:solidFill>
@@ -7025,7 +7030,7 @@
             </a:ln>
             <a:extLst>
               <a:ext uri="{91240B29-F687-4f45-9708-019B960494DF}">
-                <a14:hiddenLine xmlns:a14="http://schemas.microsoft.com/office/drawing/2010/main" xmlns="" w="9525">
+                <a14:hiddenLine xmlns="" xmlns:a14="http://schemas.microsoft.com/office/drawing/2010/main" w="9525">
                   <a:solidFill>
                     <a:srgbClr val="000000"/>
                   </a:solidFill>
@@ -7087,7 +7092,7 @@
             </a:ln>
             <a:extLst>
               <a:ext uri="{91240B29-F687-4f45-9708-019B960494DF}">
-                <a14:hiddenLine xmlns:a14="http://schemas.microsoft.com/office/drawing/2010/main" xmlns="" w="9525">
+                <a14:hiddenLine xmlns="" xmlns:a14="http://schemas.microsoft.com/office/drawing/2010/main" w="9525">
                   <a:solidFill>
                     <a:srgbClr val="000000"/>
                   </a:solidFill>
@@ -7177,7 +7182,7 @@
             </a:ln>
             <a:extLst>
               <a:ext uri="{91240B29-F687-4f45-9708-019B960494DF}">
-                <a14:hiddenLine xmlns:a14="http://schemas.microsoft.com/office/drawing/2010/main" xmlns="" w="9525">
+                <a14:hiddenLine xmlns="" xmlns:a14="http://schemas.microsoft.com/office/drawing/2010/main" w="9525">
                   <a:solidFill>
                     <a:srgbClr val="000000"/>
                   </a:solidFill>
@@ -7239,7 +7244,7 @@
             </a:ln>
             <a:extLst>
               <a:ext uri="{91240B29-F687-4f45-9708-019B960494DF}">
-                <a14:hiddenLine xmlns:a14="http://schemas.microsoft.com/office/drawing/2010/main" xmlns="" w="9525">
+                <a14:hiddenLine xmlns="" xmlns:a14="http://schemas.microsoft.com/office/drawing/2010/main" w="9525">
                   <a:solidFill>
                     <a:srgbClr val="000000"/>
                   </a:solidFill>
@@ -7329,7 +7334,7 @@
             </a:ln>
             <a:extLst>
               <a:ext uri="{91240B29-F687-4f45-9708-019B960494DF}">
-                <a14:hiddenLine xmlns:a14="http://schemas.microsoft.com/office/drawing/2010/main" xmlns="" w="9525">
+                <a14:hiddenLine xmlns="" xmlns:a14="http://schemas.microsoft.com/office/drawing/2010/main" w="9525">
                   <a:solidFill>
                     <a:srgbClr val="000000"/>
                   </a:solidFill>
@@ -7391,7 +7396,7 @@
             </a:ln>
             <a:extLst>
               <a:ext uri="{91240B29-F687-4f45-9708-019B960494DF}">
-                <a14:hiddenLine xmlns:a14="http://schemas.microsoft.com/office/drawing/2010/main" xmlns="" w="9525">
+                <a14:hiddenLine xmlns="" xmlns:a14="http://schemas.microsoft.com/office/drawing/2010/main" w="9525">
                   <a:solidFill>
                     <a:srgbClr val="000000"/>
                   </a:solidFill>
@@ -7481,7 +7486,7 @@
             </a:ln>
             <a:extLst>
               <a:ext uri="{91240B29-F687-4f45-9708-019B960494DF}">
-                <a14:hiddenLine xmlns:a14="http://schemas.microsoft.com/office/drawing/2010/main" xmlns="" w="9525">
+                <a14:hiddenLine xmlns="" xmlns:a14="http://schemas.microsoft.com/office/drawing/2010/main" w="9525">
                   <a:solidFill>
                     <a:srgbClr val="000000"/>
                   </a:solidFill>
@@ -7515,7 +7520,7 @@
             </a:ln>
             <a:extLst>
               <a:ext uri="{91240B29-F687-4f45-9708-019B960494DF}">
-                <a14:hiddenLine xmlns:a14="http://schemas.microsoft.com/office/drawing/2010/main" xmlns="" w="9525">
+                <a14:hiddenLine xmlns="" xmlns:a14="http://schemas.microsoft.com/office/drawing/2010/main" w="9525">
                   <a:solidFill>
                     <a:srgbClr val="000000"/>
                   </a:solidFill>
@@ -7580,7 +7585,7 @@
             </a:ln>
             <a:extLst>
               <a:ext uri="{91240B29-F687-4f45-9708-019B960494DF}">
-                <a14:hiddenLine xmlns:a14="http://schemas.microsoft.com/office/drawing/2010/main" xmlns="" w="9525">
+                <a14:hiddenLine xmlns="" xmlns:a14="http://schemas.microsoft.com/office/drawing/2010/main" w="9525">
                   <a:solidFill>
                     <a:srgbClr val="000000"/>
                   </a:solidFill>
@@ -7670,7 +7675,7 @@
             </a:ln>
             <a:extLst>
               <a:ext uri="{91240B29-F687-4f45-9708-019B960494DF}">
-                <a14:hiddenLine xmlns:a14="http://schemas.microsoft.com/office/drawing/2010/main" xmlns="" w="9525">
+                <a14:hiddenLine xmlns="" xmlns:a14="http://schemas.microsoft.com/office/drawing/2010/main" w="9525">
                   <a:solidFill>
                     <a:srgbClr val="000000"/>
                   </a:solidFill>
@@ -7732,7 +7737,7 @@
             </a:ln>
             <a:extLst>
               <a:ext uri="{91240B29-F687-4f45-9708-019B960494DF}">
-                <a14:hiddenLine xmlns:a14="http://schemas.microsoft.com/office/drawing/2010/main" xmlns="" w="9525">
+                <a14:hiddenLine xmlns="" xmlns:a14="http://schemas.microsoft.com/office/drawing/2010/main" w="9525">
                   <a:solidFill>
                     <a:srgbClr val="000000"/>
                   </a:solidFill>
@@ -7822,7 +7827,7 @@
             </a:ln>
             <a:extLst>
               <a:ext uri="{91240B29-F687-4f45-9708-019B960494DF}">
-                <a14:hiddenLine xmlns:a14="http://schemas.microsoft.com/office/drawing/2010/main" xmlns="" w="9525">
+                <a14:hiddenLine xmlns="" xmlns:a14="http://schemas.microsoft.com/office/drawing/2010/main" w="9525">
                   <a:solidFill>
                     <a:srgbClr val="000000"/>
                   </a:solidFill>
@@ -7912,7 +7917,7 @@
             </a:ln>
             <a:extLst>
               <a:ext uri="{91240B29-F687-4f45-9708-019B960494DF}">
-                <a14:hiddenLine xmlns:a14="http://schemas.microsoft.com/office/drawing/2010/main" xmlns="" w="9525">
+                <a14:hiddenLine xmlns="" xmlns:a14="http://schemas.microsoft.com/office/drawing/2010/main" w="9525">
                   <a:solidFill>
                     <a:srgbClr val="000000"/>
                   </a:solidFill>
@@ -7977,7 +7982,7 @@
             </a:ln>
             <a:extLst>
               <a:ext uri="{91240B29-F687-4f45-9708-019B960494DF}">
-                <a14:hiddenLine xmlns:a14="http://schemas.microsoft.com/office/drawing/2010/main" xmlns="" w="9525">
+                <a14:hiddenLine xmlns="" xmlns:a14="http://schemas.microsoft.com/office/drawing/2010/main" w="9525">
                   <a:solidFill>
                     <a:srgbClr val="000000"/>
                   </a:solidFill>
@@ -8039,7 +8044,7 @@
             </a:ln>
             <a:extLst>
               <a:ext uri="{91240B29-F687-4f45-9708-019B960494DF}">
-                <a14:hiddenLine xmlns:a14="http://schemas.microsoft.com/office/drawing/2010/main" xmlns="" w="9525">
+                <a14:hiddenLine xmlns="" xmlns:a14="http://schemas.microsoft.com/office/drawing/2010/main" w="9525">
                   <a:solidFill>
                     <a:srgbClr val="000000"/>
                   </a:solidFill>
@@ -8129,7 +8134,7 @@
             </a:ln>
             <a:extLst>
               <a:ext uri="{91240B29-F687-4f45-9708-019B960494DF}">
-                <a14:hiddenLine xmlns:a14="http://schemas.microsoft.com/office/drawing/2010/main" xmlns="" w="9525">
+                <a14:hiddenLine xmlns="" xmlns:a14="http://schemas.microsoft.com/office/drawing/2010/main" w="9525">
                   <a:solidFill>
                     <a:srgbClr val="000000"/>
                   </a:solidFill>
@@ -8219,7 +8224,7 @@
             </a:ln>
             <a:extLst>
               <a:ext uri="{91240B29-F687-4f45-9708-019B960494DF}">
-                <a14:hiddenLine xmlns:a14="http://schemas.microsoft.com/office/drawing/2010/main" xmlns="" w="9525">
+                <a14:hiddenLine xmlns="" xmlns:a14="http://schemas.microsoft.com/office/drawing/2010/main" w="9525">
                   <a:solidFill>
                     <a:srgbClr val="000000"/>
                   </a:solidFill>
@@ -8281,7 +8286,7 @@
             </a:ln>
             <a:extLst>
               <a:ext uri="{91240B29-F687-4f45-9708-019B960494DF}">
-                <a14:hiddenLine xmlns:a14="http://schemas.microsoft.com/office/drawing/2010/main" xmlns="" w="9525">
+                <a14:hiddenLine xmlns="" xmlns:a14="http://schemas.microsoft.com/office/drawing/2010/main" w="9525">
                   <a:solidFill>
                     <a:srgbClr val="000000"/>
                   </a:solidFill>
@@ -8401,7 +8406,7 @@
             </a:ln>
             <a:extLst>
               <a:ext uri="{91240B29-F687-4f45-9708-019B960494DF}">
-                <a14:hiddenLine xmlns:a14="http://schemas.microsoft.com/office/drawing/2010/main" xmlns="" w="9525">
+                <a14:hiddenLine xmlns="" xmlns:a14="http://schemas.microsoft.com/office/drawing/2010/main" w="9525">
                   <a:solidFill>
                     <a:srgbClr val="000000"/>
                   </a:solidFill>
@@ -8469,7 +8474,7 @@
             </a:ln>
             <a:extLst>
               <a:ext uri="{91240B29-F687-4f45-9708-019B960494DF}">
-                <a14:hiddenLine xmlns:a14="http://schemas.microsoft.com/office/drawing/2010/main" xmlns="" w="9525">
+                <a14:hiddenLine xmlns="" xmlns:a14="http://schemas.microsoft.com/office/drawing/2010/main" w="9525">
                   <a:solidFill>
                     <a:srgbClr val="000000"/>
                   </a:solidFill>
@@ -8559,7 +8564,7 @@
             </a:ln>
             <a:extLst>
               <a:ext uri="{91240B29-F687-4f45-9708-019B960494DF}">
-                <a14:hiddenLine xmlns:a14="http://schemas.microsoft.com/office/drawing/2010/main" xmlns="" w="9525">
+                <a14:hiddenLine xmlns="" xmlns:a14="http://schemas.microsoft.com/office/drawing/2010/main" w="9525">
                   <a:solidFill>
                     <a:srgbClr val="000000"/>
                   </a:solidFill>
@@ -8699,7 +8704,7 @@
           <a:p>
             <a:fld id="{48A87A34-81AB-432B-8DAE-1953F412C126}" type="datetimeFigureOut">
               <a:rPr lang="en-US" dirty="0"/>
-              <a:t>6/10/23</a:t>
+              <a:t>6/12/23</a:t>
             </a:fld>
             <a:endParaRPr lang="en-US" dirty="0"/>
           </a:p>
@@ -8961,7 +8966,7 @@
           <a:p>
             <a:fld id="{48A87A34-81AB-432B-8DAE-1953F412C126}" type="datetimeFigureOut">
               <a:rPr lang="en-US" dirty="0"/>
-              <a:t>6/10/23</a:t>
+              <a:t>6/12/23</a:t>
             </a:fld>
             <a:endParaRPr lang="en-US" dirty="0"/>
           </a:p>
@@ -9152,7 +9157,7 @@
           <a:p>
             <a:fld id="{48A87A34-81AB-432B-8DAE-1953F412C126}" type="datetimeFigureOut">
               <a:rPr lang="en-US" dirty="0"/>
-              <a:t>6/10/23</a:t>
+              <a:t>6/12/23</a:t>
             </a:fld>
             <a:endParaRPr lang="en-US" dirty="0"/>
           </a:p>
@@ -9410,7 +9415,7 @@
           <a:p>
             <a:fld id="{48A87A34-81AB-432B-8DAE-1953F412C126}" type="datetimeFigureOut">
               <a:rPr lang="en-US" dirty="0"/>
-              <a:t>6/10/23</a:t>
+              <a:t>6/12/23</a:t>
             </a:fld>
             <a:endParaRPr lang="en-US" dirty="0"/>
           </a:p>
@@ -9839,7 +9844,7 @@
           <a:p>
             <a:fld id="{48A87A34-81AB-432B-8DAE-1953F412C126}" type="datetimeFigureOut">
               <a:rPr lang="en-US" dirty="0"/>
-              <a:t>6/10/23</a:t>
+              <a:t>6/12/23</a:t>
             </a:fld>
             <a:endParaRPr lang="en-US" dirty="0"/>
           </a:p>
@@ -10380,7 +10385,7 @@
           <a:p>
             <a:fld id="{48A87A34-81AB-432B-8DAE-1953F412C126}" type="datetimeFigureOut">
               <a:rPr lang="en-US" dirty="0"/>
-              <a:t>6/10/23</a:t>
+              <a:t>6/12/23</a:t>
             </a:fld>
             <a:endParaRPr lang="en-US" dirty="0"/>
           </a:p>
@@ -11095,7 +11100,7 @@
           <a:p>
             <a:fld id="{48A87A34-81AB-432B-8DAE-1953F412C126}" type="datetimeFigureOut">
               <a:rPr lang="en-US" dirty="0"/>
-              <a:t>6/10/23</a:t>
+              <a:t>6/12/23</a:t>
             </a:fld>
             <a:endParaRPr lang="en-US" dirty="0"/>
           </a:p>
@@ -11260,7 +11265,7 @@
           <a:p>
             <a:fld id="{48A87A34-81AB-432B-8DAE-1953F412C126}" type="datetimeFigureOut">
               <a:rPr lang="en-US" dirty="0"/>
-              <a:t>6/10/23</a:t>
+              <a:t>6/12/23</a:t>
             </a:fld>
             <a:endParaRPr lang="en-US" dirty="0"/>
           </a:p>
@@ -11435,7 +11440,7 @@
           <a:p>
             <a:fld id="{48A87A34-81AB-432B-8DAE-1953F412C126}" type="datetimeFigureOut">
               <a:rPr lang="en-US" dirty="0"/>
-              <a:t>6/10/23</a:t>
+              <a:t>6/12/23</a:t>
             </a:fld>
             <a:endParaRPr lang="en-US" dirty="0"/>
           </a:p>
@@ -11600,7 +11605,7 @@
           <a:p>
             <a:fld id="{48A87A34-81AB-432B-8DAE-1953F412C126}" type="datetimeFigureOut">
               <a:rPr lang="en-US" dirty="0"/>
-              <a:t>6/10/23</a:t>
+              <a:t>6/12/23</a:t>
             </a:fld>
             <a:endParaRPr lang="en-US" dirty="0"/>
           </a:p>
@@ -11845,7 +11850,7 @@
           <a:p>
             <a:fld id="{48A87A34-81AB-432B-8DAE-1953F412C126}" type="datetimeFigureOut">
               <a:rPr lang="en-US" dirty="0"/>
-              <a:t>6/10/23</a:t>
+              <a:t>6/12/23</a:t>
             </a:fld>
             <a:endParaRPr lang="en-US" dirty="0"/>
           </a:p>
@@ -12072,7 +12077,7 @@
           <a:p>
             <a:fld id="{48A87A34-81AB-432B-8DAE-1953F412C126}" type="datetimeFigureOut">
               <a:rPr lang="en-US" dirty="0"/>
-              <a:t>6/10/23</a:t>
+              <a:t>6/12/23</a:t>
             </a:fld>
             <a:endParaRPr lang="en-US" dirty="0"/>
           </a:p>
@@ -12448,7 +12453,7 @@
           <a:p>
             <a:fld id="{48A87A34-81AB-432B-8DAE-1953F412C126}" type="datetimeFigureOut">
               <a:rPr lang="en-US" dirty="0"/>
-              <a:t>6/10/23</a:t>
+              <a:t>6/12/23</a:t>
             </a:fld>
             <a:endParaRPr lang="en-US" dirty="0"/>
           </a:p>
@@ -12561,7 +12566,7 @@
           <a:p>
             <a:fld id="{48A87A34-81AB-432B-8DAE-1953F412C126}" type="datetimeFigureOut">
               <a:rPr lang="en-US" dirty="0"/>
-              <a:t>6/10/23</a:t>
+              <a:t>6/12/23</a:t>
             </a:fld>
             <a:endParaRPr lang="en-US" dirty="0"/>
           </a:p>
@@ -12651,7 +12656,7 @@
           <a:p>
             <a:fld id="{48A87A34-81AB-432B-8DAE-1953F412C126}" type="datetimeFigureOut">
               <a:rPr lang="en-US" dirty="0"/>
-              <a:t>6/10/23</a:t>
+              <a:t>6/12/23</a:t>
             </a:fld>
             <a:endParaRPr lang="en-US" dirty="0"/>
           </a:p>
@@ -12895,7 +12900,7 @@
           <a:p>
             <a:fld id="{48A87A34-81AB-432B-8DAE-1953F412C126}" type="datetimeFigureOut">
               <a:rPr lang="en-US" dirty="0"/>
-              <a:t>6/10/23</a:t>
+              <a:t>6/12/23</a:t>
             </a:fld>
             <a:endParaRPr lang="en-US" dirty="0"/>
           </a:p>
@@ -13170,7 +13175,7 @@
           <a:p>
             <a:fld id="{48A87A34-81AB-432B-8DAE-1953F412C126}" type="datetimeFigureOut">
               <a:rPr lang="en-US" dirty="0"/>
-              <a:t>6/10/23</a:t>
+              <a:t>6/12/23</a:t>
             </a:fld>
             <a:endParaRPr lang="en-US" dirty="0"/>
           </a:p>
@@ -13281,7 +13286,7 @@
           <a:noFill/>
           <a:extLst>
             <a:ext uri="{909E8E84-426E-40dd-AFC4-6F175D3DCCD1}">
-              <a14:hiddenFill xmlns:a14="http://schemas.microsoft.com/office/drawing/2010/main" xmlns="">
+              <a14:hiddenFill xmlns="" xmlns:a14="http://schemas.microsoft.com/office/drawing/2010/main">
                 <a:solidFill>
                   <a:srgbClr val="FFFFFF"/>
                 </a:solidFill>
@@ -13355,7 +13360,7 @@
               </a:ln>
               <a:extLst>
                 <a:ext uri="{91240B29-F687-4f45-9708-019B960494DF}">
-                  <a14:hiddenLine xmlns:a14="http://schemas.microsoft.com/office/drawing/2010/main" xmlns="" w="9525">
+                  <a14:hiddenLine xmlns="" xmlns:a14="http://schemas.microsoft.com/office/drawing/2010/main" w="9525">
                     <a:solidFill>
                       <a:srgbClr val="000000"/>
                     </a:solidFill>
@@ -13445,7 +13450,7 @@
               </a:ln>
               <a:extLst>
                 <a:ext uri="{91240B29-F687-4f45-9708-019B960494DF}">
-                  <a14:hiddenLine xmlns:a14="http://schemas.microsoft.com/office/drawing/2010/main" xmlns="" w="9525">
+                  <a14:hiddenLine xmlns="" xmlns:a14="http://schemas.microsoft.com/office/drawing/2010/main" w="9525">
                     <a:solidFill>
                       <a:srgbClr val="000000"/>
                     </a:solidFill>
@@ -13535,7 +13540,7 @@
               </a:ln>
               <a:extLst>
                 <a:ext uri="{91240B29-F687-4f45-9708-019B960494DF}">
-                  <a14:hiddenLine xmlns:a14="http://schemas.microsoft.com/office/drawing/2010/main" xmlns="" w="9525">
+                  <a14:hiddenLine xmlns="" xmlns:a14="http://schemas.microsoft.com/office/drawing/2010/main" w="9525">
                     <a:solidFill>
                       <a:srgbClr val="000000"/>
                     </a:solidFill>
@@ -13597,7 +13602,7 @@
               </a:ln>
               <a:extLst>
                 <a:ext uri="{91240B29-F687-4f45-9708-019B960494DF}">
-                  <a14:hiddenLine xmlns:a14="http://schemas.microsoft.com/office/drawing/2010/main" xmlns="" w="9525">
+                  <a14:hiddenLine xmlns="" xmlns:a14="http://schemas.microsoft.com/office/drawing/2010/main" w="9525">
                     <a:solidFill>
                       <a:srgbClr val="000000"/>
                     </a:solidFill>
@@ -13687,7 +13692,7 @@
               </a:ln>
               <a:extLst>
                 <a:ext uri="{91240B29-F687-4f45-9708-019B960494DF}">
-                  <a14:hiddenLine xmlns:a14="http://schemas.microsoft.com/office/drawing/2010/main" xmlns="" w="9525">
+                  <a14:hiddenLine xmlns="" xmlns:a14="http://schemas.microsoft.com/office/drawing/2010/main" w="9525">
                     <a:solidFill>
                       <a:srgbClr val="000000"/>
                     </a:solidFill>
@@ -13749,7 +13754,7 @@
               </a:ln>
               <a:extLst>
                 <a:ext uri="{91240B29-F687-4f45-9708-019B960494DF}">
-                  <a14:hiddenLine xmlns:a14="http://schemas.microsoft.com/office/drawing/2010/main" xmlns="" w="9525">
+                  <a14:hiddenLine xmlns="" xmlns:a14="http://schemas.microsoft.com/office/drawing/2010/main" w="9525">
                     <a:solidFill>
                       <a:srgbClr val="000000"/>
                     </a:solidFill>
@@ -13811,7 +13816,7 @@
               </a:ln>
               <a:extLst>
                 <a:ext uri="{91240B29-F687-4f45-9708-019B960494DF}">
-                  <a14:hiddenLine xmlns:a14="http://schemas.microsoft.com/office/drawing/2010/main" xmlns="" w="9525">
+                  <a14:hiddenLine xmlns="" xmlns:a14="http://schemas.microsoft.com/office/drawing/2010/main" w="9525">
                     <a:solidFill>
                       <a:srgbClr val="000000"/>
                     </a:solidFill>
@@ -13901,7 +13906,7 @@
               </a:ln>
               <a:extLst>
                 <a:ext uri="{91240B29-F687-4f45-9708-019B960494DF}">
-                  <a14:hiddenLine xmlns:a14="http://schemas.microsoft.com/office/drawing/2010/main" xmlns="" w="9525">
+                  <a14:hiddenLine xmlns="" xmlns:a14="http://schemas.microsoft.com/office/drawing/2010/main" w="9525">
                     <a:solidFill>
                       <a:srgbClr val="000000"/>
                     </a:solidFill>
@@ -13991,7 +13996,7 @@
               </a:ln>
               <a:extLst>
                 <a:ext uri="{91240B29-F687-4f45-9708-019B960494DF}">
-                  <a14:hiddenLine xmlns:a14="http://schemas.microsoft.com/office/drawing/2010/main" xmlns="" w="9525">
+                  <a14:hiddenLine xmlns="" xmlns:a14="http://schemas.microsoft.com/office/drawing/2010/main" w="9525">
                     <a:solidFill>
                       <a:srgbClr val="000000"/>
                     </a:solidFill>
@@ -14053,7 +14058,7 @@
               </a:ln>
               <a:extLst>
                 <a:ext uri="{91240B29-F687-4f45-9708-019B960494DF}">
-                  <a14:hiddenLine xmlns:a14="http://schemas.microsoft.com/office/drawing/2010/main" xmlns="" w="9525">
+                  <a14:hiddenLine xmlns="" xmlns:a14="http://schemas.microsoft.com/office/drawing/2010/main" w="9525">
                     <a:solidFill>
                       <a:srgbClr val="000000"/>
                     </a:solidFill>
@@ -14163,7 +14168,7 @@
               </a:ln>
               <a:extLst>
                 <a:ext uri="{91240B29-F687-4f45-9708-019B960494DF}">
-                  <a14:hiddenLine xmlns:a14="http://schemas.microsoft.com/office/drawing/2010/main" xmlns="" w="9525">
+                  <a14:hiddenLine xmlns="" xmlns:a14="http://schemas.microsoft.com/office/drawing/2010/main" w="9525">
                     <a:solidFill>
                       <a:srgbClr val="000000"/>
                     </a:solidFill>
@@ -14247,7 +14252,7 @@
               </a:ln>
               <a:extLst>
                 <a:ext uri="{91240B29-F687-4f45-9708-019B960494DF}">
-                  <a14:hiddenLine xmlns:a14="http://schemas.microsoft.com/office/drawing/2010/main" xmlns="" w="9525">
+                  <a14:hiddenLine xmlns="" xmlns:a14="http://schemas.microsoft.com/office/drawing/2010/main" w="9525">
                     <a:solidFill>
                       <a:srgbClr val="000000"/>
                     </a:solidFill>
@@ -14309,7 +14314,7 @@
               </a:ln>
               <a:extLst>
                 <a:ext uri="{91240B29-F687-4f45-9708-019B960494DF}">
-                  <a14:hiddenLine xmlns:a14="http://schemas.microsoft.com/office/drawing/2010/main" xmlns="" w="9525">
+                  <a14:hiddenLine xmlns="" xmlns:a14="http://schemas.microsoft.com/office/drawing/2010/main" w="9525">
                     <a:solidFill>
                       <a:srgbClr val="000000"/>
                     </a:solidFill>
@@ -14371,7 +14376,7 @@
               </a:ln>
               <a:extLst>
                 <a:ext uri="{91240B29-F687-4f45-9708-019B960494DF}">
-                  <a14:hiddenLine xmlns:a14="http://schemas.microsoft.com/office/drawing/2010/main" xmlns="" w="9525">
+                  <a14:hiddenLine xmlns="" xmlns:a14="http://schemas.microsoft.com/office/drawing/2010/main" w="9525">
                     <a:solidFill>
                       <a:srgbClr val="000000"/>
                     </a:solidFill>
@@ -14461,7 +14466,7 @@
               </a:ln>
               <a:extLst>
                 <a:ext uri="{91240B29-F687-4f45-9708-019B960494DF}">
-                  <a14:hiddenLine xmlns:a14="http://schemas.microsoft.com/office/drawing/2010/main" xmlns="" w="9525">
+                  <a14:hiddenLine xmlns="" xmlns:a14="http://schemas.microsoft.com/office/drawing/2010/main" w="9525">
                     <a:solidFill>
                       <a:srgbClr val="000000"/>
                     </a:solidFill>
@@ -14495,7 +14500,7 @@
               </a:ln>
               <a:extLst>
                 <a:ext uri="{91240B29-F687-4f45-9708-019B960494DF}">
-                  <a14:hiddenLine xmlns:a14="http://schemas.microsoft.com/office/drawing/2010/main" xmlns="" w="9525">
+                  <a14:hiddenLine xmlns="" xmlns:a14="http://schemas.microsoft.com/office/drawing/2010/main" w="9525">
                     <a:solidFill>
                       <a:srgbClr val="000000"/>
                     </a:solidFill>
@@ -14560,7 +14565,7 @@
               </a:ln>
               <a:extLst>
                 <a:ext uri="{91240B29-F687-4f45-9708-019B960494DF}">
-                  <a14:hiddenLine xmlns:a14="http://schemas.microsoft.com/office/drawing/2010/main" xmlns="" w="9525">
+                  <a14:hiddenLine xmlns="" xmlns:a14="http://schemas.microsoft.com/office/drawing/2010/main" w="9525">
                     <a:solidFill>
                       <a:srgbClr val="000000"/>
                     </a:solidFill>
@@ -14650,7 +14655,7 @@
               </a:ln>
               <a:extLst>
                 <a:ext uri="{91240B29-F687-4f45-9708-019B960494DF}">
-                  <a14:hiddenLine xmlns:a14="http://schemas.microsoft.com/office/drawing/2010/main" xmlns="" w="9525">
+                  <a14:hiddenLine xmlns="" xmlns:a14="http://schemas.microsoft.com/office/drawing/2010/main" w="9525">
                     <a:solidFill>
                       <a:srgbClr val="000000"/>
                     </a:solidFill>
@@ -14712,7 +14717,7 @@
               </a:ln>
               <a:extLst>
                 <a:ext uri="{91240B29-F687-4f45-9708-019B960494DF}">
-                  <a14:hiddenLine xmlns:a14="http://schemas.microsoft.com/office/drawing/2010/main" xmlns="" w="9525">
+                  <a14:hiddenLine xmlns="" xmlns:a14="http://schemas.microsoft.com/office/drawing/2010/main" w="9525">
                     <a:solidFill>
                       <a:srgbClr val="000000"/>
                     </a:solidFill>
@@ -14802,7 +14807,7 @@
               </a:ln>
               <a:extLst>
                 <a:ext uri="{91240B29-F687-4f45-9708-019B960494DF}">
-                  <a14:hiddenLine xmlns:a14="http://schemas.microsoft.com/office/drawing/2010/main" xmlns="" w="9525">
+                  <a14:hiddenLine xmlns="" xmlns:a14="http://schemas.microsoft.com/office/drawing/2010/main" w="9525">
                     <a:solidFill>
                       <a:srgbClr val="000000"/>
                     </a:solidFill>
@@ -14867,7 +14872,7 @@
               </a:ln>
               <a:extLst>
                 <a:ext uri="{91240B29-F687-4f45-9708-019B960494DF}">
-                  <a14:hiddenLine xmlns:a14="http://schemas.microsoft.com/office/drawing/2010/main" xmlns="" w="9525">
+                  <a14:hiddenLine xmlns="" xmlns:a14="http://schemas.microsoft.com/office/drawing/2010/main" w="9525">
                     <a:solidFill>
                       <a:srgbClr val="000000"/>
                     </a:solidFill>
@@ -14929,7 +14934,7 @@
               </a:ln>
               <a:extLst>
                 <a:ext uri="{91240B29-F687-4f45-9708-019B960494DF}">
-                  <a14:hiddenLine xmlns:a14="http://schemas.microsoft.com/office/drawing/2010/main" xmlns="" w="9525">
+                  <a14:hiddenLine xmlns="" xmlns:a14="http://schemas.microsoft.com/office/drawing/2010/main" w="9525">
                     <a:solidFill>
                       <a:srgbClr val="000000"/>
                     </a:solidFill>
@@ -15019,7 +15024,7 @@
               </a:ln>
               <a:extLst>
                 <a:ext uri="{91240B29-F687-4f45-9708-019B960494DF}">
-                  <a14:hiddenLine xmlns:a14="http://schemas.microsoft.com/office/drawing/2010/main" xmlns="" w="9525">
+                  <a14:hiddenLine xmlns="" xmlns:a14="http://schemas.microsoft.com/office/drawing/2010/main" w="9525">
                     <a:solidFill>
                       <a:srgbClr val="000000"/>
                     </a:solidFill>
@@ -15109,7 +15114,7 @@
               </a:ln>
               <a:extLst>
                 <a:ext uri="{91240B29-F687-4f45-9708-019B960494DF}">
-                  <a14:hiddenLine xmlns:a14="http://schemas.microsoft.com/office/drawing/2010/main" xmlns="" w="9525">
+                  <a14:hiddenLine xmlns="" xmlns:a14="http://schemas.microsoft.com/office/drawing/2010/main" w="9525">
                     <a:solidFill>
                       <a:srgbClr val="000000"/>
                     </a:solidFill>
@@ -15174,7 +15179,7 @@
               </a:ln>
               <a:extLst>
                 <a:ext uri="{91240B29-F687-4f45-9708-019B960494DF}">
-                  <a14:hiddenLine xmlns:a14="http://schemas.microsoft.com/office/drawing/2010/main" xmlns="" w="9525">
+                  <a14:hiddenLine xmlns="" xmlns:a14="http://schemas.microsoft.com/office/drawing/2010/main" w="9525">
                     <a:solidFill>
                       <a:srgbClr val="000000"/>
                     </a:solidFill>
@@ -15294,7 +15299,7 @@
               </a:ln>
               <a:extLst>
                 <a:ext uri="{91240B29-F687-4f45-9708-019B960494DF}">
-                  <a14:hiddenLine xmlns:a14="http://schemas.microsoft.com/office/drawing/2010/main" xmlns="" w="9525">
+                  <a14:hiddenLine xmlns="" xmlns:a14="http://schemas.microsoft.com/office/drawing/2010/main" w="9525">
                     <a:solidFill>
                       <a:srgbClr val="000000"/>
                     </a:solidFill>
@@ -15392,7 +15397,7 @@
               </a:ln>
               <a:extLst>
                 <a:ext uri="{91240B29-F687-4f45-9708-019B960494DF}">
-                  <a14:hiddenLine xmlns:a14="http://schemas.microsoft.com/office/drawing/2010/main" xmlns="" w="9525">
+                  <a14:hiddenLine xmlns="" xmlns:a14="http://schemas.microsoft.com/office/drawing/2010/main" w="9525">
                     <a:solidFill>
                       <a:srgbClr val="000000"/>
                     </a:solidFill>
@@ -15507,7 +15512,7 @@
               </a:ln>
               <a:extLst>
                 <a:ext uri="{91240B29-F687-4f45-9708-019B960494DF}">
-                  <a14:hiddenLine xmlns:a14="http://schemas.microsoft.com/office/drawing/2010/main" xmlns="" w="9525">
+                  <a14:hiddenLine xmlns="" xmlns:a14="http://schemas.microsoft.com/office/drawing/2010/main" w="9525">
                     <a:solidFill>
                       <a:srgbClr val="000000"/>
                     </a:solidFill>
@@ -15597,7 +15602,7 @@
               </a:ln>
               <a:extLst>
                 <a:ext uri="{91240B29-F687-4f45-9708-019B960494DF}">
-                  <a14:hiddenLine xmlns:a14="http://schemas.microsoft.com/office/drawing/2010/main" xmlns="" w="9525">
+                  <a14:hiddenLine xmlns="" xmlns:a14="http://schemas.microsoft.com/office/drawing/2010/main" w="9525">
                     <a:solidFill>
                       <a:srgbClr val="000000"/>
                     </a:solidFill>
@@ -15662,7 +15667,7 @@
               </a:ln>
               <a:extLst>
                 <a:ext uri="{91240B29-F687-4f45-9708-019B960494DF}">
-                  <a14:hiddenLine xmlns:a14="http://schemas.microsoft.com/office/drawing/2010/main" xmlns="" w="9525">
+                  <a14:hiddenLine xmlns="" xmlns:a14="http://schemas.microsoft.com/office/drawing/2010/main" w="9525">
                     <a:solidFill>
                       <a:srgbClr val="000000"/>
                     </a:solidFill>
@@ -15752,7 +15757,7 @@
               </a:ln>
               <a:extLst>
                 <a:ext uri="{91240B29-F687-4f45-9708-019B960494DF}">
-                  <a14:hiddenLine xmlns:a14="http://schemas.microsoft.com/office/drawing/2010/main" xmlns="" w="9525">
+                  <a14:hiddenLine xmlns="" xmlns:a14="http://schemas.microsoft.com/office/drawing/2010/main" w="9525">
                     <a:solidFill>
                       <a:srgbClr val="000000"/>
                     </a:solidFill>
@@ -15820,7 +15825,7 @@
               </a:ln>
               <a:extLst>
                 <a:ext uri="{91240B29-F687-4f45-9708-019B960494DF}">
-                  <a14:hiddenLine xmlns:a14="http://schemas.microsoft.com/office/drawing/2010/main" xmlns="" w="9525">
+                  <a14:hiddenLine xmlns="" xmlns:a14="http://schemas.microsoft.com/office/drawing/2010/main" w="9525">
                     <a:solidFill>
                       <a:srgbClr val="000000"/>
                     </a:solidFill>
@@ -15910,7 +15915,7 @@
               </a:ln>
               <a:extLst>
                 <a:ext uri="{91240B29-F687-4f45-9708-019B960494DF}">
-                  <a14:hiddenLine xmlns:a14="http://schemas.microsoft.com/office/drawing/2010/main" xmlns="" w="9525">
+                  <a14:hiddenLine xmlns="" xmlns:a14="http://schemas.microsoft.com/office/drawing/2010/main" w="9525">
                     <a:solidFill>
                       <a:srgbClr val="000000"/>
                     </a:solidFill>
@@ -15978,7 +15983,7 @@
               </a:ln>
               <a:extLst>
                 <a:ext uri="{91240B29-F687-4f45-9708-019B960494DF}">
-                  <a14:hiddenLine xmlns:a14="http://schemas.microsoft.com/office/drawing/2010/main" xmlns="" w="9525">
+                  <a14:hiddenLine xmlns="" xmlns:a14="http://schemas.microsoft.com/office/drawing/2010/main" w="9525">
                     <a:solidFill>
                       <a:srgbClr val="000000"/>
                     </a:solidFill>
@@ -16068,7 +16073,7 @@
               </a:ln>
               <a:extLst>
                 <a:ext uri="{91240B29-F687-4f45-9708-019B960494DF}">
-                  <a14:hiddenLine xmlns:a14="http://schemas.microsoft.com/office/drawing/2010/main" xmlns="" w="9525">
+                  <a14:hiddenLine xmlns="" xmlns:a14="http://schemas.microsoft.com/office/drawing/2010/main" w="9525">
                     <a:solidFill>
                       <a:srgbClr val="000000"/>
                     </a:solidFill>
@@ -16102,7 +16107,7 @@
               </a:ln>
               <a:extLst>
                 <a:ext uri="{91240B29-F687-4f45-9708-019B960494DF}">
-                  <a14:hiddenLine xmlns:a14="http://schemas.microsoft.com/office/drawing/2010/main" xmlns="" w="9525">
+                  <a14:hiddenLine xmlns="" xmlns:a14="http://schemas.microsoft.com/office/drawing/2010/main" w="9525">
                     <a:solidFill>
                       <a:srgbClr val="000000"/>
                     </a:solidFill>
@@ -16243,7 +16248,7 @@
             <a:fld id="{48A87A34-81AB-432B-8DAE-1953F412C126}" type="datetimeFigureOut">
               <a:rPr lang="en-US" dirty="0"/>
               <a:pPr/>
-              <a:t>6/10/23</a:t>
+              <a:t>6/12/23</a:t>
             </a:fld>
             <a:endParaRPr lang="en-US" dirty="0"/>
           </a:p>
@@ -17342,10 +17347,10 @@
       </p:sp>
       <p:pic>
         <p:nvPicPr>
-          <p:cNvPr id="10" name="Inhaltsplatzhalter 9" descr="Ein Bild, das Text, Screenshot, Schrift, Design enthält.&#10;&#10;Automatisch generierte Beschreibung">
+          <p:cNvPr id="7" name="Inhaltsplatzhalter 6" descr="Ein Bild, das Text, Screenshot, Schrift, Design enthält.&#10;&#10;Automatisch generierte Beschreibung">
             <a:extLst>
               <a:ext uri="{FF2B5EF4-FFF2-40B4-BE49-F238E27FC236}">
-                <a16:creationId xmlns:a16="http://schemas.microsoft.com/office/drawing/2014/main" id="{016C7004-2BCE-B4A1-80CB-5C3CE578F11F}"/>
+                <a16:creationId xmlns:a16="http://schemas.microsoft.com/office/drawing/2014/main" id="{EB085092-ED2B-14B4-A96D-59C736B25D44}"/>
               </a:ext>
             </a:extLst>
           </p:cNvPr>
@@ -17364,8 +17369,8 @@
         </p:blipFill>
         <p:spPr>
           <a:xfrm>
-            <a:off x="6172200" y="2420219"/>
-            <a:ext cx="4875213" cy="3200249"/>
+            <a:off x="6172200" y="2427068"/>
+            <a:ext cx="4875213" cy="3186552"/>
           </a:xfrm>
         </p:spPr>
       </p:pic>
